--- a/Planning/Wireframe.pptx
+++ b/Planning/Wireframe.pptx
@@ -3364,28 +3364,29 @@
           <a:p>
             <a:r>
               <a:rPr lang="en-US" sz="4400" dirty="0"/>
-              <a:t>P</a:t>
-            </a:r>
-            <a:r>
-              <a:rPr lang="en-US" dirty="0"/>
-              <a:t>ersonal </a:t>
+              <a:t>B</a:t>
+            </a:r>
+            <a:r>
+              <a:rPr lang="en-US" sz="2000" dirty="0"/>
+              <a:t>ut </a:t>
             </a:r>
             <a:r>
               <a:rPr lang="en-US" sz="4400" dirty="0"/>
-              <a:t>C</a:t>
-            </a:r>
-            <a:r>
-              <a:rPr lang="en-US" dirty="0"/>
-              <a:t>omputer </a:t>
+              <a:t>I</a:t>
+            </a:r>
+            <a:r>
+              <a:rPr lang="en-US" sz="2000" dirty="0"/>
+              <a:t>ts </a:t>
             </a:r>
             <a:r>
               <a:rPr lang="en-US" sz="4400" dirty="0"/>
-              <a:t>P</a:t>
-            </a:r>
-            <a:r>
-              <a:rPr lang="en-US" dirty="0"/>
-              <a:t>lanner</a:t>
-            </a:r>
+              <a:t>M</a:t>
+            </a:r>
+            <a:r>
+              <a:rPr lang="en-US" sz="2000" dirty="0"/>
+              <a:t>ine</a:t>
+            </a:r>
+            <a:endParaRPr lang="en-US" dirty="0"/>
           </a:p>
         </p:txBody>
       </p:sp>
@@ -3524,6 +3525,53 @@
             <a:r>
               <a:rPr lang="en-US" dirty="0"/>
               <a:t>Main Page</a:t>
+            </a:r>
+          </a:p>
+        </p:txBody>
+      </p:sp>
+      <p:sp>
+        <p:nvSpPr>
+          <p:cNvPr id="9" name="Rectangle 8">
+            <a:extLst>
+              <a:ext uri="{FF2B5EF4-FFF2-40B4-BE49-F238E27FC236}">
+                <a16:creationId xmlns:a16="http://schemas.microsoft.com/office/drawing/2014/main" id="{9AA70DEC-E7E9-4B49-9BB9-93699B3A7551}"/>
+              </a:ext>
+            </a:extLst>
+          </p:cNvPr>
+          <p:cNvSpPr/>
+          <p:nvPr/>
+        </p:nvSpPr>
+        <p:spPr>
+          <a:xfrm>
+            <a:off x="10363200" y="126124"/>
+            <a:ext cx="1587062" cy="362607"/>
+          </a:xfrm>
+          <a:prstGeom prst="rect">
+            <a:avLst/>
+          </a:prstGeom>
+        </p:spPr>
+        <p:style>
+          <a:lnRef idx="2">
+            <a:schemeClr val="accent6"/>
+          </a:lnRef>
+          <a:fillRef idx="1">
+            <a:schemeClr val="lt1"/>
+          </a:fillRef>
+          <a:effectRef idx="0">
+            <a:schemeClr val="accent6"/>
+          </a:effectRef>
+          <a:fontRef idx="minor">
+            <a:schemeClr val="dk1"/>
+          </a:fontRef>
+        </p:style>
+        <p:txBody>
+          <a:bodyPr rtlCol="0" anchor="ctr"/>
+          <a:lstStyle/>
+          <a:p>
+            <a:pPr algn="ctr"/>
+            <a:r>
+              <a:rPr lang="en-US" dirty="0"/>
+              <a:t>Login</a:t>
             </a:r>
           </a:p>
         </p:txBody>
@@ -3599,28 +3647,29 @@
           <a:p>
             <a:r>
               <a:rPr lang="en-US" sz="4400" dirty="0"/>
-              <a:t>P</a:t>
-            </a:r>
-            <a:r>
-              <a:rPr lang="en-US" dirty="0"/>
-              <a:t>ersonal </a:t>
+              <a:t>B</a:t>
+            </a:r>
+            <a:r>
+              <a:rPr lang="en-US" sz="2000" dirty="0"/>
+              <a:t>ut </a:t>
             </a:r>
             <a:r>
               <a:rPr lang="en-US" sz="4400" dirty="0"/>
-              <a:t>C</a:t>
-            </a:r>
-            <a:r>
-              <a:rPr lang="en-US" dirty="0"/>
-              <a:t>omputer </a:t>
+              <a:t>I</a:t>
+            </a:r>
+            <a:r>
+              <a:rPr lang="en-US" sz="2000" dirty="0"/>
+              <a:t>ts </a:t>
             </a:r>
             <a:r>
               <a:rPr lang="en-US" sz="4400" dirty="0"/>
-              <a:t>P</a:t>
-            </a:r>
-            <a:r>
-              <a:rPr lang="en-US" dirty="0"/>
-              <a:t>lanner</a:t>
-            </a:r>
+              <a:t>M</a:t>
+            </a:r>
+            <a:r>
+              <a:rPr lang="en-US" sz="2000" dirty="0"/>
+              <a:t>ine</a:t>
+            </a:r>
+            <a:endParaRPr lang="en-US" sz="4400" dirty="0"/>
           </a:p>
         </p:txBody>
       </p:sp>
@@ -3770,6 +3819,53 @@
             <a:r>
               <a:rPr lang="en-US" dirty="0"/>
               <a:t>This will be a blog type guide</a:t>
+            </a:r>
+          </a:p>
+        </p:txBody>
+      </p:sp>
+      <p:sp>
+        <p:nvSpPr>
+          <p:cNvPr id="5" name="Rectangle 4">
+            <a:extLst>
+              <a:ext uri="{FF2B5EF4-FFF2-40B4-BE49-F238E27FC236}">
+                <a16:creationId xmlns:a16="http://schemas.microsoft.com/office/drawing/2014/main" id="{1D70E775-E55B-A64B-B454-FF29C69B5CCF}"/>
+              </a:ext>
+            </a:extLst>
+          </p:cNvPr>
+          <p:cNvSpPr/>
+          <p:nvPr/>
+        </p:nvSpPr>
+        <p:spPr>
+          <a:xfrm>
+            <a:off x="10363200" y="126124"/>
+            <a:ext cx="1587062" cy="362607"/>
+          </a:xfrm>
+          <a:prstGeom prst="rect">
+            <a:avLst/>
+          </a:prstGeom>
+        </p:spPr>
+        <p:style>
+          <a:lnRef idx="2">
+            <a:schemeClr val="accent6"/>
+          </a:lnRef>
+          <a:fillRef idx="1">
+            <a:schemeClr val="lt1"/>
+          </a:fillRef>
+          <a:effectRef idx="0">
+            <a:schemeClr val="accent6"/>
+          </a:effectRef>
+          <a:fontRef idx="minor">
+            <a:schemeClr val="dk1"/>
+          </a:fontRef>
+        </p:style>
+        <p:txBody>
+          <a:bodyPr rtlCol="0" anchor="ctr"/>
+          <a:lstStyle/>
+          <a:p>
+            <a:pPr algn="ctr"/>
+            <a:r>
+              <a:rPr lang="en-US" dirty="0"/>
+              <a:t>Login</a:t>
             </a:r>
           </a:p>
         </p:txBody>
@@ -3845,27 +3941,27 @@
           <a:p>
             <a:r>
               <a:rPr lang="en-US" sz="4400" dirty="0"/>
-              <a:t>P</a:t>
+              <a:t>B</a:t>
+            </a:r>
+            <a:r>
+              <a:rPr lang="en-US" sz="2000" dirty="0"/>
+              <a:t>ut </a:t>
+            </a:r>
+            <a:r>
+              <a:rPr lang="en-US" sz="4400" dirty="0"/>
+              <a:t>I</a:t>
+            </a:r>
+            <a:r>
+              <a:rPr lang="en-US" sz="2000" dirty="0"/>
+              <a:t>ts </a:t>
+            </a:r>
+            <a:r>
+              <a:rPr lang="en-US" sz="4400" dirty="0"/>
+              <a:t>M</a:t>
             </a:r>
             <a:r>
               <a:rPr lang="en-US" dirty="0"/>
-              <a:t>ersonal </a:t>
-            </a:r>
-            <a:r>
-              <a:rPr lang="en-US" sz="4400" dirty="0"/>
-              <a:t>C</a:t>
-            </a:r>
-            <a:r>
-              <a:rPr lang="en-US" dirty="0"/>
-              <a:t>omputer </a:t>
-            </a:r>
-            <a:r>
-              <a:rPr lang="en-US" sz="4400" dirty="0"/>
-              <a:t>P</a:t>
-            </a:r>
-            <a:r>
-              <a:rPr lang="en-US" dirty="0"/>
-              <a:t>lanner</a:t>
+              <a:t>ine</a:t>
             </a:r>
           </a:p>
         </p:txBody>
@@ -4026,6 +4122,53 @@
           </a:p>
           <a:p>
             <a:endParaRPr lang="en-US" dirty="0"/>
+          </a:p>
+        </p:txBody>
+      </p:sp>
+      <p:sp>
+        <p:nvSpPr>
+          <p:cNvPr id="5" name="Rectangle 4">
+            <a:extLst>
+              <a:ext uri="{FF2B5EF4-FFF2-40B4-BE49-F238E27FC236}">
+                <a16:creationId xmlns:a16="http://schemas.microsoft.com/office/drawing/2014/main" id="{466CE0F7-29B7-B44C-8EE8-593D4765144D}"/>
+              </a:ext>
+            </a:extLst>
+          </p:cNvPr>
+          <p:cNvSpPr/>
+          <p:nvPr/>
+        </p:nvSpPr>
+        <p:spPr>
+          <a:xfrm>
+            <a:off x="10363200" y="126124"/>
+            <a:ext cx="1587062" cy="362607"/>
+          </a:xfrm>
+          <a:prstGeom prst="rect">
+            <a:avLst/>
+          </a:prstGeom>
+        </p:spPr>
+        <p:style>
+          <a:lnRef idx="2">
+            <a:schemeClr val="accent6"/>
+          </a:lnRef>
+          <a:fillRef idx="1">
+            <a:schemeClr val="lt1"/>
+          </a:fillRef>
+          <a:effectRef idx="0">
+            <a:schemeClr val="accent6"/>
+          </a:effectRef>
+          <a:fontRef idx="minor">
+            <a:schemeClr val="dk1"/>
+          </a:fontRef>
+        </p:style>
+        <p:txBody>
+          <a:bodyPr rtlCol="0" anchor="ctr"/>
+          <a:lstStyle/>
+          <a:p>
+            <a:pPr algn="ctr"/>
+            <a:r>
+              <a:rPr lang="en-US" dirty="0"/>
+              <a:t>Login</a:t>
+            </a:r>
           </a:p>
         </p:txBody>
       </p:sp>

--- a/Planning/Wireframe.pptx
+++ b/Planning/Wireframe.pptx
@@ -3779,8 +3779,8 @@
         </p:nvSpPr>
         <p:spPr>
           <a:xfrm>
-            <a:off x="4645572" y="1156138"/>
-            <a:ext cx="6022427" cy="5213131"/>
+            <a:off x="6747641" y="1156138"/>
+            <a:ext cx="3920358" cy="5213131"/>
           </a:xfrm>
           <a:prstGeom prst="rect">
             <a:avLst/>
@@ -3801,24 +3801,57 @@
           </a:fontRef>
         </p:style>
         <p:txBody>
-          <a:bodyPr rtlCol="0" anchor="ctr"/>
-          <a:lstStyle/>
-          <a:p>
-            <a:pPr algn="ctr"/>
+          <a:bodyPr rtlCol="0" anchor="t"/>
+          <a:lstStyle/>
+          <a:p>
             <a:r>
               <a:rPr lang="en-US" dirty="0"/>
-              <a:t>Build Guide</a:t>
-            </a:r>
-          </a:p>
-          <a:p>
-            <a:pPr algn="ctr"/>
+              <a:t>Build Guide by JayzTwoCents</a:t>
+            </a:r>
+          </a:p>
+          <a:p>
             <a:endParaRPr lang="en-US" dirty="0"/>
           </a:p>
           <a:p>
-            <a:pPr algn="ctr"/>
+            <a:endParaRPr lang="en-US" dirty="0"/>
+          </a:p>
+          <a:p>
+            <a:endParaRPr lang="en-US" dirty="0"/>
+          </a:p>
+          <a:p>
             <a:r>
               <a:rPr lang="en-US" dirty="0"/>
-              <a:t>This will be a blog type guide</a:t>
+              <a:t>Build Guide by BitWit</a:t>
+            </a:r>
+          </a:p>
+          <a:p>
+            <a:endParaRPr lang="en-US" dirty="0"/>
+          </a:p>
+          <a:p>
+            <a:endParaRPr lang="en-US" dirty="0"/>
+          </a:p>
+          <a:p>
+            <a:endParaRPr lang="en-US" dirty="0"/>
+          </a:p>
+          <a:p>
+            <a:r>
+              <a:rPr lang="en-US" dirty="0"/>
+              <a:t>Build Guide by Paul’s Hardware</a:t>
+            </a:r>
+          </a:p>
+          <a:p>
+            <a:endParaRPr lang="en-US" dirty="0"/>
+          </a:p>
+          <a:p>
+            <a:endParaRPr lang="en-US" dirty="0"/>
+          </a:p>
+          <a:p>
+            <a:endParaRPr lang="en-US" dirty="0"/>
+          </a:p>
+          <a:p>
+            <a:r>
+              <a:rPr lang="en-US" dirty="0"/>
+              <a:t>Build Guide by Gamer’s Nexus</a:t>
             </a:r>
           </a:p>
         </p:txBody>
@@ -3866,6 +3899,194 @@
             <a:r>
               <a:rPr lang="en-US" dirty="0"/>
               <a:t>Login</a:t>
+            </a:r>
+          </a:p>
+        </p:txBody>
+      </p:sp>
+      <p:sp>
+        <p:nvSpPr>
+          <p:cNvPr id="6" name="Rectangle 5">
+            <a:extLst>
+              <a:ext uri="{FF2B5EF4-FFF2-40B4-BE49-F238E27FC236}">
+                <a16:creationId xmlns:a16="http://schemas.microsoft.com/office/drawing/2014/main" id="{CD1C96CB-CB8D-6D44-AD62-89C9D6014B5D}"/>
+              </a:ext>
+            </a:extLst>
+          </p:cNvPr>
+          <p:cNvSpPr/>
+          <p:nvPr/>
+        </p:nvSpPr>
+        <p:spPr>
+          <a:xfrm>
+            <a:off x="3909848" y="1156138"/>
+            <a:ext cx="2695904" cy="1019503"/>
+          </a:xfrm>
+          <a:prstGeom prst="rect">
+            <a:avLst/>
+          </a:prstGeom>
+        </p:spPr>
+        <p:style>
+          <a:lnRef idx="2">
+            <a:schemeClr val="accent6"/>
+          </a:lnRef>
+          <a:fillRef idx="1">
+            <a:schemeClr val="lt1"/>
+          </a:fillRef>
+          <a:effectRef idx="0">
+            <a:schemeClr val="accent6"/>
+          </a:effectRef>
+          <a:fontRef idx="minor">
+            <a:schemeClr val="dk1"/>
+          </a:fontRef>
+        </p:style>
+        <p:txBody>
+          <a:bodyPr rtlCol="0" anchor="ctr"/>
+          <a:lstStyle/>
+          <a:p>
+            <a:pPr algn="ctr"/>
+            <a:r>
+              <a:rPr lang="en-US" dirty="0"/>
+              <a:t>Video</a:t>
+            </a:r>
+          </a:p>
+        </p:txBody>
+      </p:sp>
+      <p:sp>
+        <p:nvSpPr>
+          <p:cNvPr id="9" name="Rectangle 8">
+            <a:extLst>
+              <a:ext uri="{FF2B5EF4-FFF2-40B4-BE49-F238E27FC236}">
+                <a16:creationId xmlns:a16="http://schemas.microsoft.com/office/drawing/2014/main" id="{B9D4128D-FA72-C343-B718-0B4F84B4C780}"/>
+              </a:ext>
+            </a:extLst>
+          </p:cNvPr>
+          <p:cNvSpPr/>
+          <p:nvPr/>
+        </p:nvSpPr>
+        <p:spPr>
+          <a:xfrm>
+            <a:off x="3909848" y="2292569"/>
+            <a:ext cx="2695904" cy="1019503"/>
+          </a:xfrm>
+          <a:prstGeom prst="rect">
+            <a:avLst/>
+          </a:prstGeom>
+        </p:spPr>
+        <p:style>
+          <a:lnRef idx="2">
+            <a:schemeClr val="accent6"/>
+          </a:lnRef>
+          <a:fillRef idx="1">
+            <a:schemeClr val="lt1"/>
+          </a:fillRef>
+          <a:effectRef idx="0">
+            <a:schemeClr val="accent6"/>
+          </a:effectRef>
+          <a:fontRef idx="minor">
+            <a:schemeClr val="dk1"/>
+          </a:fontRef>
+        </p:style>
+        <p:txBody>
+          <a:bodyPr rtlCol="0" anchor="ctr"/>
+          <a:lstStyle/>
+          <a:p>
+            <a:pPr algn="ctr"/>
+            <a:r>
+              <a:rPr lang="en-US" dirty="0"/>
+              <a:t>Video</a:t>
+            </a:r>
+          </a:p>
+        </p:txBody>
+      </p:sp>
+      <p:sp>
+        <p:nvSpPr>
+          <p:cNvPr id="10" name="Rectangle 9">
+            <a:extLst>
+              <a:ext uri="{FF2B5EF4-FFF2-40B4-BE49-F238E27FC236}">
+                <a16:creationId xmlns:a16="http://schemas.microsoft.com/office/drawing/2014/main" id="{61CE462D-6C34-A84E-B5DB-3E4DFD5837CC}"/>
+              </a:ext>
+            </a:extLst>
+          </p:cNvPr>
+          <p:cNvSpPr/>
+          <p:nvPr/>
+        </p:nvSpPr>
+        <p:spPr>
+          <a:xfrm>
+            <a:off x="3909848" y="3429000"/>
+            <a:ext cx="2695904" cy="1019503"/>
+          </a:xfrm>
+          <a:prstGeom prst="rect">
+            <a:avLst/>
+          </a:prstGeom>
+        </p:spPr>
+        <p:style>
+          <a:lnRef idx="2">
+            <a:schemeClr val="accent6"/>
+          </a:lnRef>
+          <a:fillRef idx="1">
+            <a:schemeClr val="lt1"/>
+          </a:fillRef>
+          <a:effectRef idx="0">
+            <a:schemeClr val="accent6"/>
+          </a:effectRef>
+          <a:fontRef idx="minor">
+            <a:schemeClr val="dk1"/>
+          </a:fontRef>
+        </p:style>
+        <p:txBody>
+          <a:bodyPr rtlCol="0" anchor="ctr"/>
+          <a:lstStyle/>
+          <a:p>
+            <a:pPr algn="ctr"/>
+            <a:r>
+              <a:rPr lang="en-US" dirty="0"/>
+              <a:t>Video</a:t>
+            </a:r>
+          </a:p>
+        </p:txBody>
+      </p:sp>
+      <p:sp>
+        <p:nvSpPr>
+          <p:cNvPr id="11" name="Rectangle 10">
+            <a:extLst>
+              <a:ext uri="{FF2B5EF4-FFF2-40B4-BE49-F238E27FC236}">
+                <a16:creationId xmlns:a16="http://schemas.microsoft.com/office/drawing/2014/main" id="{6467677A-721E-4D41-BF55-1BF4784DF67F}"/>
+              </a:ext>
+            </a:extLst>
+          </p:cNvPr>
+          <p:cNvSpPr/>
+          <p:nvPr/>
+        </p:nvSpPr>
+        <p:spPr>
+          <a:xfrm>
+            <a:off x="3909848" y="4565431"/>
+            <a:ext cx="2695904" cy="1019503"/>
+          </a:xfrm>
+          <a:prstGeom prst="rect">
+            <a:avLst/>
+          </a:prstGeom>
+        </p:spPr>
+        <p:style>
+          <a:lnRef idx="2">
+            <a:schemeClr val="accent6"/>
+          </a:lnRef>
+          <a:fillRef idx="1">
+            <a:schemeClr val="lt1"/>
+          </a:fillRef>
+          <a:effectRef idx="0">
+            <a:schemeClr val="accent6"/>
+          </a:effectRef>
+          <a:fontRef idx="minor">
+            <a:schemeClr val="dk1"/>
+          </a:fontRef>
+        </p:style>
+        <p:txBody>
+          <a:bodyPr rtlCol="0" anchor="ctr"/>
+          <a:lstStyle/>
+          <a:p>
+            <a:pPr algn="ctr"/>
+            <a:r>
+              <a:rPr lang="en-US" dirty="0"/>
+              <a:t>Video</a:t>
             </a:r>
           </a:p>
         </p:txBody>

--- a/Planning/Wireframe.pptx
+++ b/Planning/Wireframe.pptx
@@ -3363,20 +3363,20 @@
           <a:lstStyle/>
           <a:p>
             <a:r>
-              <a:rPr lang="en-US" sz="4400" dirty="0"/>
+              <a:rPr lang="en-US" sz="4400"/>
               <a:t>B</a:t>
             </a:r>
             <a:r>
-              <a:rPr lang="en-US" sz="2000" dirty="0"/>
+              <a:rPr lang="en-US" sz="2000"/>
               <a:t>ut </a:t>
             </a:r>
             <a:r>
-              <a:rPr lang="en-US" sz="4400" dirty="0"/>
+              <a:rPr lang="en-US" sz="4400"/>
               <a:t>I</a:t>
             </a:r>
             <a:r>
-              <a:rPr lang="en-US" sz="2000" dirty="0"/>
-              <a:t>ts </a:t>
+              <a:rPr lang="en-US" sz="2000"/>
+              <a:t>t’s </a:t>
             </a:r>
             <a:r>
               <a:rPr lang="en-US" sz="4400" dirty="0"/>
@@ -3659,7 +3659,7 @@
             </a:r>
             <a:r>
               <a:rPr lang="en-US" sz="2000" dirty="0"/>
-              <a:t>ts </a:t>
+              <a:t>t’s </a:t>
             </a:r>
             <a:r>
               <a:rPr lang="en-US" sz="4400" dirty="0"/>
@@ -4174,7 +4174,7 @@
             </a:r>
             <a:r>
               <a:rPr lang="en-US" sz="2000" dirty="0"/>
-              <a:t>ts </a:t>
+              <a:t>t’s </a:t>
             </a:r>
             <a:r>
               <a:rPr lang="en-US" sz="4400" dirty="0"/>
